--- a/Lecture/Lecture 33/Lecture 33.pptx
+++ b/Lecture/Lecture 33/Lecture 33.pptx
@@ -309,7 +309,7 @@
               <a:pPr>
                 <a:defRPr/>
               </a:pPr>
-              <a:t>12/4/2018</a:t>
+              <a:t>1/10/2019</a:t>
             </a:fld>
             <a:endParaRPr lang="en-US" dirty="0"/>
           </a:p>
@@ -521,7 +521,7 @@
               <a:pPr>
                 <a:defRPr/>
               </a:pPr>
-              <a:t>12/4/2018</a:t>
+              <a:t>1/10/2019</a:t>
             </a:fld>
             <a:endParaRPr lang="en-US" dirty="0"/>
           </a:p>
@@ -1040,7 +1040,7 @@
               <a:pPr>
                 <a:defRPr/>
               </a:pPr>
-              <a:t>12/4/2018</a:t>
+              <a:t>1/10/2019</a:t>
             </a:fld>
             <a:endParaRPr lang="en-US" dirty="0"/>
           </a:p>
@@ -1230,7 +1230,7 @@
               <a:pPr>
                 <a:defRPr/>
               </a:pPr>
-              <a:t>12/4/2018</a:t>
+              <a:t>1/10/2019</a:t>
             </a:fld>
             <a:endParaRPr lang="en-US" dirty="0"/>
           </a:p>
@@ -1430,7 +1430,7 @@
               <a:pPr>
                 <a:defRPr/>
               </a:pPr>
-              <a:t>12/4/2018</a:t>
+              <a:t>1/10/2019</a:t>
             </a:fld>
             <a:endParaRPr lang="en-US" dirty="0"/>
           </a:p>
@@ -1698,7 +1698,7 @@
               <a:pPr>
                 <a:defRPr/>
               </a:pPr>
-              <a:t>12/4/2018</a:t>
+              <a:t>1/10/2019</a:t>
             </a:fld>
             <a:endParaRPr lang="en-US" dirty="0">
               <a:solidFill>
@@ -1912,7 +1912,7 @@
               <a:pPr>
                 <a:defRPr/>
               </a:pPr>
-              <a:t>12/4/2018</a:t>
+              <a:t>1/10/2019</a:t>
             </a:fld>
             <a:endParaRPr lang="en-US" dirty="0">
               <a:solidFill>
@@ -2203,7 +2203,7 @@
               <a:pPr>
                 <a:defRPr/>
               </a:pPr>
-              <a:t>12/4/2018</a:t>
+              <a:t>1/10/2019</a:t>
             </a:fld>
             <a:endParaRPr lang="en-US" dirty="0">
               <a:solidFill>
@@ -2534,7 +2534,7 @@
               <a:pPr>
                 <a:defRPr/>
               </a:pPr>
-              <a:t>12/4/2018</a:t>
+              <a:t>1/10/2019</a:t>
             </a:fld>
             <a:endParaRPr lang="en-US" dirty="0">
               <a:solidFill>
@@ -2999,7 +2999,7 @@
               <a:pPr>
                 <a:defRPr/>
               </a:pPr>
-              <a:t>12/4/2018</a:t>
+              <a:t>1/10/2019</a:t>
             </a:fld>
             <a:endParaRPr lang="en-US" dirty="0">
               <a:solidFill>
@@ -3162,7 +3162,7 @@
               <a:pPr>
                 <a:defRPr/>
               </a:pPr>
-              <a:t>12/4/2018</a:t>
+              <a:t>1/10/2019</a:t>
             </a:fld>
             <a:endParaRPr lang="en-US" dirty="0">
               <a:solidFill>
@@ -3303,7 +3303,7 @@
               <a:pPr>
                 <a:defRPr/>
               </a:pPr>
-              <a:t>12/4/2018</a:t>
+              <a:t>1/10/2019</a:t>
             </a:fld>
             <a:endParaRPr lang="en-US" dirty="0">
               <a:solidFill>
@@ -3624,7 +3624,7 @@
               <a:pPr>
                 <a:defRPr/>
               </a:pPr>
-              <a:t>12/4/2018</a:t>
+              <a:t>1/10/2019</a:t>
             </a:fld>
             <a:endParaRPr lang="en-US" dirty="0">
               <a:solidFill>
@@ -3832,7 +3832,7 @@
               <a:pPr>
                 <a:defRPr/>
               </a:pPr>
-              <a:t>12/4/2018</a:t>
+              <a:t>1/10/2019</a:t>
             </a:fld>
             <a:endParaRPr lang="en-US" dirty="0"/>
           </a:p>
@@ -4115,7 +4115,7 @@
               <a:pPr>
                 <a:defRPr/>
               </a:pPr>
-              <a:t>12/4/2018</a:t>
+              <a:t>1/10/2019</a:t>
             </a:fld>
             <a:endParaRPr lang="en-US" dirty="0">
               <a:solidFill>
@@ -4329,7 +4329,7 @@
               <a:pPr>
                 <a:defRPr/>
               </a:pPr>
-              <a:t>12/4/2018</a:t>
+              <a:t>1/10/2019</a:t>
             </a:fld>
             <a:endParaRPr lang="en-US" dirty="0">
               <a:solidFill>
@@ -4553,7 +4553,7 @@
               <a:pPr>
                 <a:defRPr/>
               </a:pPr>
-              <a:t>12/4/2018</a:t>
+              <a:t>1/10/2019</a:t>
             </a:fld>
             <a:endParaRPr lang="en-US" dirty="0">
               <a:solidFill>
@@ -4763,7 +4763,7 @@
               <a:pPr>
                 <a:defRPr/>
               </a:pPr>
-              <a:t>12/4/2018</a:t>
+              <a:t>1/10/2019</a:t>
             </a:fld>
             <a:endParaRPr lang="en-US" dirty="0">
               <a:solidFill>
@@ -5040,7 +5040,7 @@
               <a:pPr>
                 <a:defRPr/>
               </a:pPr>
-              <a:t>12/4/2018</a:t>
+              <a:t>1/10/2019</a:t>
             </a:fld>
             <a:endParaRPr lang="en-US" dirty="0"/>
           </a:p>
@@ -5347,7 +5347,7 @@
               <a:pPr>
                 <a:defRPr/>
               </a:pPr>
-              <a:t>12/4/2018</a:t>
+              <a:t>1/10/2019</a:t>
             </a:fld>
             <a:endParaRPr lang="en-US" dirty="0"/>
           </a:p>
@@ -5788,7 +5788,7 @@
               <a:pPr>
                 <a:defRPr/>
               </a:pPr>
-              <a:t>12/4/2018</a:t>
+              <a:t>1/10/2019</a:t>
             </a:fld>
             <a:endParaRPr lang="en-US" dirty="0"/>
           </a:p>
@@ -5927,7 +5927,7 @@
               <a:pPr>
                 <a:defRPr/>
               </a:pPr>
-              <a:t>12/4/2018</a:t>
+              <a:t>1/10/2019</a:t>
             </a:fld>
             <a:endParaRPr lang="en-US" dirty="0"/>
           </a:p>
@@ -6044,7 +6044,7 @@
               <a:pPr>
                 <a:defRPr/>
               </a:pPr>
-              <a:t>12/4/2018</a:t>
+              <a:t>1/10/2019</a:t>
             </a:fld>
             <a:endParaRPr lang="en-US" dirty="0"/>
           </a:p>
@@ -6341,7 +6341,7 @@
               <a:pPr>
                 <a:defRPr/>
               </a:pPr>
-              <a:t>12/4/2018</a:t>
+              <a:t>1/10/2019</a:t>
             </a:fld>
             <a:endParaRPr lang="en-US" dirty="0"/>
           </a:p>
@@ -6618,7 +6618,7 @@
               <a:pPr>
                 <a:defRPr/>
               </a:pPr>
-              <a:t>12/4/2018</a:t>
+              <a:t>1/10/2019</a:t>
             </a:fld>
             <a:endParaRPr lang="en-US" dirty="0"/>
           </a:p>
@@ -6875,7 +6875,7 @@
               <a:pPr>
                 <a:defRPr/>
               </a:pPr>
-              <a:t>12/4/2018</a:t>
+              <a:t>1/10/2019</a:t>
             </a:fld>
             <a:endParaRPr lang="en-US" dirty="0"/>
           </a:p>
@@ -7585,7 +7585,7 @@
               <a:pPr>
                 <a:defRPr/>
               </a:pPr>
-              <a:t>12/4/2018</a:t>
+              <a:t>1/10/2019</a:t>
             </a:fld>
             <a:endParaRPr lang="en-US" dirty="0">
               <a:solidFill>
@@ -18484,7 +18484,7 @@
               <a:defRPr/>
             </a:pPr>
             <a:r>
-              <a:rPr lang="en-US">
+              <a:rPr lang="en-US" dirty="0">
                 <a:solidFill>
                   <a:srgbClr val="404040"/>
                 </a:solidFill>
@@ -18498,20 +18498,20 @@
               <a:buChar char="•"/>
               <a:defRPr/>
             </a:pPr>
-            <a:endParaRPr lang="en-US">
-              <a:solidFill>
-                <a:srgbClr val="404040"/>
-              </a:solidFill>
-            </a:endParaRPr>
-          </a:p>
-          <a:p>
-            <a:pPr marL="800100" lvl="1" indent="-342900">
-              <a:buFont typeface="Arial" panose="020B0604020202020204" pitchFamily="34" charset="0"/>
-              <a:buChar char="•"/>
-              <a:defRPr/>
-            </a:pPr>
-            <a:r>
-              <a:rPr lang="en-US">
+            <a:endParaRPr lang="en-US" dirty="0">
+              <a:solidFill>
+                <a:srgbClr val="404040"/>
+              </a:solidFill>
+            </a:endParaRPr>
+          </a:p>
+          <a:p>
+            <a:pPr marL="800100" lvl="1" indent="-342900">
+              <a:buFont typeface="Arial" panose="020B0604020202020204" pitchFamily="34" charset="0"/>
+              <a:buChar char="•"/>
+              <a:defRPr/>
+            </a:pPr>
+            <a:r>
+              <a:rPr lang="en-US" dirty="0">
                 <a:solidFill>
                   <a:srgbClr val="404040"/>
                 </a:solidFill>
@@ -18523,20 +18523,20 @@
             <a:pPr lvl="1">
               <a:defRPr/>
             </a:pPr>
-            <a:endParaRPr lang="en-US">
-              <a:solidFill>
-                <a:srgbClr val="404040"/>
-              </a:solidFill>
-            </a:endParaRPr>
-          </a:p>
-          <a:p>
-            <a:pPr marL="800100" lvl="1" indent="-342900">
-              <a:buFont typeface="Arial" panose="020B0604020202020204" pitchFamily="34" charset="0"/>
-              <a:buChar char="•"/>
-              <a:defRPr/>
-            </a:pPr>
-            <a:r>
-              <a:rPr lang="en-US">
+            <a:endParaRPr lang="en-US" dirty="0">
+              <a:solidFill>
+                <a:srgbClr val="404040"/>
+              </a:solidFill>
+            </a:endParaRPr>
+          </a:p>
+          <a:p>
+            <a:pPr marL="800100" lvl="1" indent="-342900">
+              <a:buFont typeface="Arial" panose="020B0604020202020204" pitchFamily="34" charset="0"/>
+              <a:buChar char="•"/>
+              <a:defRPr/>
+            </a:pPr>
+            <a:r>
+              <a:rPr lang="en-US" dirty="0">
                 <a:solidFill>
                   <a:srgbClr val="404040"/>
                 </a:solidFill>
@@ -18550,20 +18550,20 @@
               <a:buChar char="•"/>
               <a:defRPr/>
             </a:pPr>
-            <a:endParaRPr lang="en-US">
-              <a:solidFill>
-                <a:srgbClr val="404040"/>
-              </a:solidFill>
-            </a:endParaRPr>
-          </a:p>
-          <a:p>
-            <a:pPr marL="800100" lvl="1" indent="-342900">
-              <a:buFont typeface="Arial" panose="020B0604020202020204" pitchFamily="34" charset="0"/>
-              <a:buChar char="•"/>
-              <a:defRPr/>
-            </a:pPr>
-            <a:r>
-              <a:rPr lang="en-US">
+            <a:endParaRPr lang="en-US" dirty="0">
+              <a:solidFill>
+                <a:srgbClr val="404040"/>
+              </a:solidFill>
+            </a:endParaRPr>
+          </a:p>
+          <a:p>
+            <a:pPr marL="800100" lvl="1" indent="-342900">
+              <a:buFont typeface="Arial" panose="020B0604020202020204" pitchFamily="34" charset="0"/>
+              <a:buChar char="•"/>
+              <a:defRPr/>
+            </a:pPr>
+            <a:r>
+              <a:rPr lang="en-US" dirty="0">
                 <a:solidFill>
                   <a:srgbClr val="404040"/>
                 </a:solidFill>
@@ -18577,91 +18577,91 @@
               <a:buChar char="•"/>
               <a:defRPr/>
             </a:pPr>
-            <a:endParaRPr lang="en-US">
-              <a:solidFill>
-                <a:srgbClr val="404040"/>
-              </a:solidFill>
-            </a:endParaRPr>
-          </a:p>
-          <a:p>
-            <a:pPr marL="800100" lvl="1" indent="-342900">
-              <a:buFont typeface="Arial" panose="020B0604020202020204" pitchFamily="34" charset="0"/>
-              <a:buChar char="•"/>
-              <a:defRPr/>
-            </a:pPr>
-            <a:endParaRPr lang="en-US">
-              <a:solidFill>
-                <a:srgbClr val="404040"/>
-              </a:solidFill>
-            </a:endParaRPr>
-          </a:p>
-          <a:p>
-            <a:pPr marL="800100" lvl="1" indent="-342900">
-              <a:buFont typeface="Arial" panose="020B0604020202020204" pitchFamily="34" charset="0"/>
-              <a:buChar char="•"/>
-              <a:defRPr/>
-            </a:pPr>
-            <a:endParaRPr lang="en-US">
-              <a:solidFill>
-                <a:srgbClr val="404040"/>
-              </a:solidFill>
-            </a:endParaRPr>
-          </a:p>
-          <a:p>
-            <a:pPr marL="800100" lvl="1" indent="-342900">
-              <a:buFont typeface="Arial" panose="020B0604020202020204" pitchFamily="34" charset="0"/>
-              <a:buChar char="•"/>
-              <a:defRPr/>
-            </a:pPr>
-            <a:endParaRPr lang="en-US">
-              <a:solidFill>
-                <a:srgbClr val="404040"/>
-              </a:solidFill>
-            </a:endParaRPr>
-          </a:p>
-          <a:p>
-            <a:pPr marL="800100" lvl="1" indent="-342900">
-              <a:buFont typeface="Arial" panose="020B0604020202020204" pitchFamily="34" charset="0"/>
-              <a:buChar char="•"/>
-              <a:defRPr/>
-            </a:pPr>
-            <a:endParaRPr lang="en-US">
-              <a:solidFill>
-                <a:srgbClr val="404040"/>
-              </a:solidFill>
-            </a:endParaRPr>
-          </a:p>
-          <a:p>
-            <a:pPr marL="800100" lvl="1" indent="-342900">
-              <a:buFont typeface="Arial" panose="020B0604020202020204" pitchFamily="34" charset="0"/>
-              <a:buChar char="•"/>
-              <a:defRPr/>
-            </a:pPr>
-            <a:endParaRPr lang="en-US">
-              <a:solidFill>
-                <a:srgbClr val="404040"/>
-              </a:solidFill>
-            </a:endParaRPr>
-          </a:p>
-          <a:p>
-            <a:pPr marL="800100" lvl="1" indent="-342900">
-              <a:buFont typeface="Arial" panose="020B0604020202020204" pitchFamily="34" charset="0"/>
-              <a:buChar char="•"/>
-              <a:defRPr/>
-            </a:pPr>
-            <a:endParaRPr lang="en-US">
-              <a:solidFill>
-                <a:srgbClr val="404040"/>
-              </a:solidFill>
-            </a:endParaRPr>
-          </a:p>
-          <a:p>
-            <a:pPr marL="800100" lvl="1" indent="-342900">
-              <a:buFont typeface="Arial" panose="020B0604020202020204" pitchFamily="34" charset="0"/>
-              <a:buChar char="•"/>
-              <a:defRPr/>
-            </a:pPr>
-            <a:endParaRPr lang="en-US">
+            <a:endParaRPr lang="en-US" dirty="0">
+              <a:solidFill>
+                <a:srgbClr val="404040"/>
+              </a:solidFill>
+            </a:endParaRPr>
+          </a:p>
+          <a:p>
+            <a:pPr marL="800100" lvl="1" indent="-342900">
+              <a:buFont typeface="Arial" panose="020B0604020202020204" pitchFamily="34" charset="0"/>
+              <a:buChar char="•"/>
+              <a:defRPr/>
+            </a:pPr>
+            <a:endParaRPr lang="en-US" dirty="0">
+              <a:solidFill>
+                <a:srgbClr val="404040"/>
+              </a:solidFill>
+            </a:endParaRPr>
+          </a:p>
+          <a:p>
+            <a:pPr marL="800100" lvl="1" indent="-342900">
+              <a:buFont typeface="Arial" panose="020B0604020202020204" pitchFamily="34" charset="0"/>
+              <a:buChar char="•"/>
+              <a:defRPr/>
+            </a:pPr>
+            <a:endParaRPr lang="en-US" dirty="0">
+              <a:solidFill>
+                <a:srgbClr val="404040"/>
+              </a:solidFill>
+            </a:endParaRPr>
+          </a:p>
+          <a:p>
+            <a:pPr marL="800100" lvl="1" indent="-342900">
+              <a:buFont typeface="Arial" panose="020B0604020202020204" pitchFamily="34" charset="0"/>
+              <a:buChar char="•"/>
+              <a:defRPr/>
+            </a:pPr>
+            <a:endParaRPr lang="en-US" dirty="0">
+              <a:solidFill>
+                <a:srgbClr val="404040"/>
+              </a:solidFill>
+            </a:endParaRPr>
+          </a:p>
+          <a:p>
+            <a:pPr marL="800100" lvl="1" indent="-342900">
+              <a:buFont typeface="Arial" panose="020B0604020202020204" pitchFamily="34" charset="0"/>
+              <a:buChar char="•"/>
+              <a:defRPr/>
+            </a:pPr>
+            <a:endParaRPr lang="en-US" dirty="0">
+              <a:solidFill>
+                <a:srgbClr val="404040"/>
+              </a:solidFill>
+            </a:endParaRPr>
+          </a:p>
+          <a:p>
+            <a:pPr marL="800100" lvl="1" indent="-342900">
+              <a:buFont typeface="Arial" panose="020B0604020202020204" pitchFamily="34" charset="0"/>
+              <a:buChar char="•"/>
+              <a:defRPr/>
+            </a:pPr>
+            <a:endParaRPr lang="en-US" dirty="0">
+              <a:solidFill>
+                <a:srgbClr val="404040"/>
+              </a:solidFill>
+            </a:endParaRPr>
+          </a:p>
+          <a:p>
+            <a:pPr marL="800100" lvl="1" indent="-342900">
+              <a:buFont typeface="Arial" panose="020B0604020202020204" pitchFamily="34" charset="0"/>
+              <a:buChar char="•"/>
+              <a:defRPr/>
+            </a:pPr>
+            <a:endParaRPr lang="en-US" dirty="0">
+              <a:solidFill>
+                <a:srgbClr val="404040"/>
+              </a:solidFill>
+            </a:endParaRPr>
+          </a:p>
+          <a:p>
+            <a:pPr marL="800100" lvl="1" indent="-342900">
+              <a:buFont typeface="Arial" panose="020B0604020202020204" pitchFamily="34" charset="0"/>
+              <a:buChar char="•"/>
+              <a:defRPr/>
+            </a:pPr>
+            <a:endParaRPr lang="en-US" dirty="0">
               <a:solidFill>
                 <a:srgbClr val="404040"/>
               </a:solidFill>
